--- a/Slides/Module 4 - Server communication.pptx
+++ b/Slides/Module 4 - Server communication.pptx
@@ -5,10 +5,10 @@
     <p:sldMasterId id="2147483660" r:id="rId4"/>
   </p:sldMasterIdLst>
   <p:notesMasterIdLst>
-    <p:notesMasterId r:id="rId24"/>
+    <p:notesMasterId r:id="rId26"/>
   </p:notesMasterIdLst>
   <p:handoutMasterIdLst>
-    <p:handoutMasterId r:id="rId25"/>
+    <p:handoutMasterId r:id="rId27"/>
   </p:handoutMasterIdLst>
   <p:sldIdLst>
     <p:sldId id="277" r:id="rId5"/>
@@ -18,18 +18,20 @@
     <p:sldId id="295" r:id="rId9"/>
     <p:sldId id="296" r:id="rId10"/>
     <p:sldId id="287" r:id="rId11"/>
-    <p:sldId id="286" r:id="rId12"/>
-    <p:sldId id="294" r:id="rId13"/>
-    <p:sldId id="292" r:id="rId14"/>
-    <p:sldId id="279" r:id="rId15"/>
-    <p:sldId id="280" r:id="rId16"/>
-    <p:sldId id="281" r:id="rId17"/>
-    <p:sldId id="282" r:id="rId18"/>
-    <p:sldId id="293" r:id="rId19"/>
-    <p:sldId id="288" r:id="rId20"/>
-    <p:sldId id="289" r:id="rId21"/>
-    <p:sldId id="290" r:id="rId22"/>
-    <p:sldId id="269" r:id="rId23"/>
+    <p:sldId id="292" r:id="rId12"/>
+    <p:sldId id="279" r:id="rId13"/>
+    <p:sldId id="297" r:id="rId14"/>
+    <p:sldId id="298" r:id="rId15"/>
+    <p:sldId id="293" r:id="rId16"/>
+    <p:sldId id="288" r:id="rId17"/>
+    <p:sldId id="299" r:id="rId18"/>
+    <p:sldId id="300" r:id="rId19"/>
+    <p:sldId id="290" r:id="rId20"/>
+    <p:sldId id="301" r:id="rId21"/>
+    <p:sldId id="302" r:id="rId22"/>
+    <p:sldId id="306" r:id="rId23"/>
+    <p:sldId id="305" r:id="rId24"/>
+    <p:sldId id="269" r:id="rId25"/>
   </p:sldIdLst>
   <p:sldSz cx="12192000" cy="6858000"/>
   <p:notesSz cx="6858000" cy="9144000"/>
@@ -3970,12 +3972,12 @@
       </p:grpSpPr>
       <p:sp>
         <p:nvSpPr>
-          <p:cNvPr id="4" name="Text Placeholder 3"/>
-          <p:cNvSpPr>
-            <a:spLocks noGrp="1"/>
-          </p:cNvSpPr>
-          <p:nvPr>
-            <p:ph type="body" sz="quarter" idx="10"/>
+          <p:cNvPr id="2" name="Title 1"/>
+          <p:cNvSpPr>
+            <a:spLocks noGrp="1"/>
+          </p:cNvSpPr>
+          <p:nvPr>
+            <p:ph type="title"/>
           </p:nvPr>
         </p:nvSpPr>
         <p:spPr/>
@@ -3985,7 +3987,7 @@
           <a:p>
             <a:r>
               <a:rPr lang="en-US" dirty="0" smtClean="0"/>
-              <a:t>jQuery Promises</a:t>
+              <a:t>jQuery support</a:t>
             </a:r>
             <a:endParaRPr lang="en-US" dirty="0"/>
           </a:p>
@@ -3993,12 +3995,12 @@
       </p:sp>
       <p:sp>
         <p:nvSpPr>
-          <p:cNvPr id="3" name="Subtitle 2"/>
-          <p:cNvSpPr>
-            <a:spLocks noGrp="1"/>
-          </p:cNvSpPr>
-          <p:nvPr>
-            <p:ph type="subTitle" idx="1"/>
+          <p:cNvPr id="3" name="Content Placeholder 2"/>
+          <p:cNvSpPr>
+            <a:spLocks noGrp="1"/>
+          </p:cNvSpPr>
+          <p:nvPr>
+            <p:ph sz="quarter" idx="10"/>
           </p:nvPr>
         </p:nvSpPr>
         <p:spPr/>
@@ -4006,14 +4008,71 @@
           <a:bodyPr/>
           <a:lstStyle/>
           <a:p>
-            <a:endParaRPr lang="en-US"/>
+            <a:r>
+              <a:rPr lang="en-US" dirty="0" smtClean="0"/>
+              <a:t>jQuery (and other libraries) simplify making Ajax calls</a:t>
+            </a:r>
+          </a:p>
+          <a:p>
+            <a:pPr lvl="1"/>
+            <a:r>
+              <a:rPr lang="en-US" dirty="0" smtClean="0"/>
+              <a:t>Still uses </a:t>
+            </a:r>
+            <a:r>
+              <a:rPr lang="en-US" dirty="0" err="1" smtClean="0"/>
+              <a:t>XMLHttpRequest</a:t>
+            </a:r>
+            <a:r>
+              <a:rPr lang="en-US" dirty="0" smtClean="0"/>
+              <a:t> behind the scenes</a:t>
+            </a:r>
+          </a:p>
+          <a:p>
+            <a:r>
+              <a:rPr lang="en-US" dirty="0" smtClean="0"/>
+              <a:t>Provides helper methods</a:t>
+            </a:r>
+          </a:p>
+          <a:p>
+            <a:pPr lvl="1"/>
+            <a:r>
+              <a:rPr lang="en-US" dirty="0" smtClean="0">
+                <a:latin typeface="Consolas" panose="020B0609020204030204" pitchFamily="49" charset="0"/>
+              </a:rPr>
+              <a:t>$.get</a:t>
+            </a:r>
+            <a:r>
+              <a:rPr lang="en-US" dirty="0" smtClean="0"/>
+              <a:t> to retrieve text</a:t>
+            </a:r>
+          </a:p>
+          <a:p>
+            <a:pPr lvl="1"/>
+            <a:r>
+              <a:rPr lang="en-US" dirty="0" smtClean="0">
+                <a:latin typeface="Consolas" panose="020B0609020204030204" pitchFamily="49" charset="0"/>
+              </a:rPr>
+              <a:t>$.</a:t>
+            </a:r>
+            <a:r>
+              <a:rPr lang="en-US" dirty="0" err="1" smtClean="0">
+                <a:latin typeface="Consolas" panose="020B0609020204030204" pitchFamily="49" charset="0"/>
+              </a:rPr>
+              <a:t>getJSON</a:t>
+            </a:r>
+            <a:r>
+              <a:rPr lang="en-US" dirty="0" smtClean="0"/>
+              <a:t> to retrieve a JSON object</a:t>
+            </a:r>
+            <a:endParaRPr lang="en-US" dirty="0"/>
           </a:p>
         </p:txBody>
       </p:sp>
     </p:spTree>
     <p:extLst>
       <p:ext uri="{BB962C8B-B14F-4D97-AF65-F5344CB8AC3E}">
-        <p14:creationId xmlns:p14="http://schemas.microsoft.com/office/powerpoint/2010/main" val="1799002758"/>
+        <p14:creationId xmlns:p14="http://schemas.microsoft.com/office/powerpoint/2010/main" val="832653208"/>
       </p:ext>
     </p:extLst>
   </p:cSld>
@@ -4057,77 +4116,7 @@
           <a:p>
             <a:r>
               <a:rPr lang="en-US" dirty="0" smtClean="0"/>
-              <a:t>Asynchronous programming</a:t>
-            </a:r>
-            <a:endParaRPr lang="en-US" dirty="0"/>
-          </a:p>
-        </p:txBody>
-      </p:sp>
-      <p:sp>
-        <p:nvSpPr>
-          <p:cNvPr id="5" name="Content Placeholder 4"/>
-          <p:cNvSpPr>
-            <a:spLocks noGrp="1"/>
-          </p:cNvSpPr>
-          <p:nvPr>
-            <p:ph sz="quarter" idx="10"/>
-          </p:nvPr>
-        </p:nvSpPr>
-        <p:spPr>
-          <a:prstGeom prst="rect">
-            <a:avLst/>
-          </a:prstGeom>
-        </p:spPr>
-        <p:txBody>
-          <a:bodyPr/>
-          <a:lstStyle/>
-          <a:p>
-            <a:r>
-              <a:rPr lang="en-US" dirty="0" smtClean="0"/>
-              <a:t>Certain operations can take an unknown amount of time</a:t>
-            </a:r>
-          </a:p>
-          <a:p>
-            <a:pPr lvl="1"/>
-            <a:r>
-              <a:rPr lang="en-US" dirty="0" smtClean="0"/>
-              <a:t>Making server calls</a:t>
-            </a:r>
-          </a:p>
-          <a:p>
-            <a:pPr lvl="1"/>
-            <a:r>
-              <a:rPr lang="en-US" dirty="0" smtClean="0"/>
-              <a:t>Working with graphics</a:t>
-            </a:r>
-          </a:p>
-          <a:p>
-            <a:r>
-              <a:rPr lang="en-US" dirty="0" smtClean="0"/>
-              <a:t>Certain operations perform at unknown times</a:t>
-            </a:r>
-          </a:p>
-          <a:p>
-            <a:pPr lvl="1"/>
-            <a:r>
-              <a:rPr lang="en-US" dirty="0" smtClean="0"/>
-              <a:t>Timed events</a:t>
-            </a:r>
-          </a:p>
-          <a:p>
-            <a:pPr lvl="1"/>
-            <a:r>
-              <a:rPr lang="en-US" dirty="0" smtClean="0"/>
-              <a:t>Web sockets</a:t>
-            </a:r>
-          </a:p>
-          <a:p>
-            <a:endParaRPr lang="en-US" dirty="0"/>
-          </a:p>
-          <a:p>
-            <a:r>
-              <a:rPr lang="en-US" dirty="0" smtClean="0"/>
-              <a:t>Asynchronous programming allows us to manage those situations</a:t>
+              <a:t>jQuery Ajax calls</a:t>
             </a:r>
             <a:endParaRPr lang="en-US" dirty="0"/>
           </a:p>
@@ -4136,20 +4125,13 @@
     </p:spTree>
     <p:extLst>
       <p:ext uri="{BB962C8B-B14F-4D97-AF65-F5344CB8AC3E}">
-        <p14:creationId xmlns:p14="http://schemas.microsoft.com/office/powerpoint/2010/main" val="1291475549"/>
+        <p14:creationId xmlns:p14="http://schemas.microsoft.com/office/powerpoint/2010/main" val="1949216006"/>
       </p:ext>
     </p:extLst>
   </p:cSld>
   <p:clrMapOvr>
     <a:masterClrMapping/>
   </p:clrMapOvr>
-  <p:timing>
-    <p:tnLst>
-      <p:par>
-        <p:cTn id="1" dur="indefinite" restart="never" nodeType="tmRoot"/>
-      </p:par>
-    </p:tnLst>
-  </p:timing>
 </p:sld>
 </file>
 
@@ -4172,89 +4154,42 @@
       </p:grpSpPr>
       <p:sp>
         <p:nvSpPr>
-          <p:cNvPr id="2" name="Title 1"/>
-          <p:cNvSpPr>
-            <a:spLocks noGrp="1"/>
-          </p:cNvSpPr>
-          <p:nvPr>
-            <p:ph type="title"/>
+          <p:cNvPr id="4" name="Text Placeholder 3"/>
+          <p:cNvSpPr>
+            <a:spLocks noGrp="1"/>
+          </p:cNvSpPr>
+          <p:nvPr>
+            <p:ph type="body" sz="quarter" idx="10"/>
           </p:nvPr>
         </p:nvSpPr>
         <p:spPr/>
-        <p:txBody>
-          <a:bodyPr>
-            <a:normAutofit fontScale="90000"/>
-          </a:bodyPr>
-          <a:lstStyle/>
-          <a:p>
-            <a:r>
-              <a:rPr lang="en-US" dirty="0" smtClean="0"/>
-              <a:t>jQuery Promise</a:t>
-            </a:r>
-            <a:br>
-              <a:rPr lang="en-US" dirty="0" smtClean="0"/>
-            </a:br>
-            <a:r>
-              <a:rPr lang="en-US" dirty="0" smtClean="0"/>
-              <a:t>object</a:t>
-            </a:r>
-            <a:endParaRPr lang="en-US" dirty="0"/>
-          </a:p>
-        </p:txBody>
-      </p:sp>
-      <p:sp>
-        <p:nvSpPr>
-          <p:cNvPr id="3" name="Content Placeholder 2"/>
-          <p:cNvSpPr>
-            <a:spLocks noGrp="1"/>
-          </p:cNvSpPr>
-          <p:nvPr>
-            <p:ph sz="quarter" idx="10"/>
-          </p:nvPr>
-        </p:nvSpPr>
-        <p:spPr>
-          <a:prstGeom prst="rect">
-            <a:avLst/>
-          </a:prstGeom>
-        </p:spPr>
         <p:txBody>
           <a:bodyPr/>
           <a:lstStyle/>
           <a:p>
             <a:r>
               <a:rPr lang="en-US" dirty="0" smtClean="0"/>
-              <a:t>jQuery Promise is an implementation of the promise pattern</a:t>
-            </a:r>
-          </a:p>
-          <a:p>
+              <a:t>Web sockets</a:t>
+            </a:r>
             <a:endParaRPr lang="en-US" dirty="0"/>
           </a:p>
-          <a:p>
-            <a:r>
-              <a:rPr lang="en-US" dirty="0" smtClean="0"/>
-              <a:t>Put simply, the promise pattern allows a developer to register event handlers for various events or states</a:t>
-            </a:r>
-          </a:p>
-          <a:p>
-            <a:pPr lvl="1"/>
-            <a:r>
-              <a:rPr lang="en-US" dirty="0" smtClean="0"/>
-              <a:t>Failed</a:t>
-            </a:r>
-          </a:p>
-          <a:p>
-            <a:pPr lvl="1"/>
-            <a:r>
-              <a:rPr lang="en-US" dirty="0" smtClean="0"/>
-              <a:t>Succeeded</a:t>
-            </a:r>
-          </a:p>
-          <a:p>
-            <a:pPr lvl="1"/>
-            <a:r>
-              <a:rPr lang="en-US" dirty="0" smtClean="0"/>
-              <a:t>In progress</a:t>
-            </a:r>
+        </p:txBody>
+      </p:sp>
+      <p:sp>
+        <p:nvSpPr>
+          <p:cNvPr id="3" name="Subtitle 2"/>
+          <p:cNvSpPr>
+            <a:spLocks noGrp="1"/>
+          </p:cNvSpPr>
+          <p:nvPr>
+            <p:ph type="subTitle" idx="1"/>
+          </p:nvPr>
+        </p:nvSpPr>
+        <p:spPr/>
+        <p:txBody>
+          <a:bodyPr/>
+          <a:lstStyle/>
+          <a:p>
             <a:endParaRPr lang="en-US" dirty="0"/>
           </a:p>
         </p:txBody>
@@ -4262,20 +4197,13 @@
     </p:spTree>
     <p:extLst>
       <p:ext uri="{BB962C8B-B14F-4D97-AF65-F5344CB8AC3E}">
-        <p14:creationId xmlns:p14="http://schemas.microsoft.com/office/powerpoint/2010/main" val="3741816926"/>
+        <p14:creationId xmlns:p14="http://schemas.microsoft.com/office/powerpoint/2010/main" val="3017243009"/>
       </p:ext>
     </p:extLst>
   </p:cSld>
   <p:clrMapOvr>
     <a:masterClrMapping/>
   </p:clrMapOvr>
-  <p:timing>
-    <p:tnLst>
-      <p:par>
-        <p:cTn id="1" dur="indefinite" restart="never" nodeType="tmRoot"/>
-      </p:par>
-    </p:tnLst>
-  </p:timing>
 </p:sld>
 </file>
 
@@ -4298,7 +4226,7 @@
       </p:grpSpPr>
       <p:sp>
         <p:nvSpPr>
-          <p:cNvPr id="2" name="Title 1"/>
+          <p:cNvPr id="3" name="Title 2"/>
           <p:cNvSpPr>
             <a:spLocks noGrp="1"/>
           </p:cNvSpPr>
@@ -4313,7 +4241,7 @@
           <a:p>
             <a:r>
               <a:rPr lang="en-US" dirty="0" smtClean="0"/>
-              <a:t>Three common Promise events</a:t>
+              <a:t>What about the server calling the client?</a:t>
             </a:r>
             <a:endParaRPr lang="en-US" dirty="0"/>
           </a:p>
@@ -4321,7 +4249,7 @@
       </p:sp>
       <p:sp>
         <p:nvSpPr>
-          <p:cNvPr id="3" name="Content Placeholder 2"/>
+          <p:cNvPr id="4" name="Content Placeholder 3"/>
           <p:cNvSpPr>
             <a:spLocks noGrp="1"/>
           </p:cNvSpPr>
@@ -4339,50 +4267,20 @@
           <a:lstStyle/>
           <a:p>
             <a:r>
-              <a:rPr lang="en-US" b="1" dirty="0" smtClean="0">
-                <a:latin typeface="Consolas" panose="020B0609020204030204" pitchFamily="49" charset="0"/>
-                <a:cs typeface="Consolas" panose="020B0609020204030204" pitchFamily="49" charset="0"/>
-              </a:rPr>
-              <a:t>done</a:t>
-            </a:r>
-          </a:p>
-          <a:p>
-            <a:pPr lvl="1"/>
-            <a:r>
-              <a:rPr lang="en-US" dirty="0" smtClean="0"/>
-              <a:t>Operation has completed successfully</a:t>
-            </a:r>
-          </a:p>
-          <a:p>
-            <a:r>
-              <a:rPr lang="en-US" b="1" dirty="0">
-                <a:latin typeface="Consolas" panose="020B0609020204030204" pitchFamily="49" charset="0"/>
-                <a:cs typeface="Consolas" panose="020B0609020204030204" pitchFamily="49" charset="0"/>
-              </a:rPr>
-              <a:t>fail</a:t>
-            </a:r>
-          </a:p>
-          <a:p>
-            <a:pPr lvl="1"/>
-            <a:r>
-              <a:rPr lang="en-US" dirty="0" smtClean="0"/>
-              <a:t>Operation has completed unsuccessfully</a:t>
-            </a:r>
-          </a:p>
-          <a:p>
-            <a:r>
-              <a:rPr lang="en-US" b="1" dirty="0">
-                <a:latin typeface="Consolas" panose="020B0609020204030204" pitchFamily="49" charset="0"/>
-                <a:cs typeface="Consolas" panose="020B0609020204030204" pitchFamily="49" charset="0"/>
-              </a:rPr>
-              <a:t>progress</a:t>
-            </a:r>
-          </a:p>
-          <a:p>
-            <a:pPr lvl="1"/>
-            <a:r>
-              <a:rPr lang="en-US" dirty="0" smtClean="0"/>
-              <a:t>Operation has reported a progress update</a:t>
+              <a:rPr lang="en-US" dirty="0" smtClean="0"/>
+              <a:t>If we're going to create a truly interactive site, the server needs to be able to update the client</a:t>
+            </a:r>
+          </a:p>
+          <a:p>
+            <a:r>
+              <a:rPr lang="en-US" dirty="0" smtClean="0"/>
+              <a:t>Several technologies exist</a:t>
+            </a:r>
+          </a:p>
+          <a:p>
+            <a:r>
+              <a:rPr lang="en-US" dirty="0" smtClean="0"/>
+              <a:t>W3C introduced Web Sockets as part of HTML5</a:t>
             </a:r>
             <a:endParaRPr lang="en-US" dirty="0"/>
           </a:p>
@@ -4391,7 +4289,7 @@
     </p:spTree>
     <p:extLst>
       <p:ext uri="{BB962C8B-B14F-4D97-AF65-F5344CB8AC3E}">
-        <p14:creationId xmlns:p14="http://schemas.microsoft.com/office/powerpoint/2010/main" val="1188221039"/>
+        <p14:creationId xmlns:p14="http://schemas.microsoft.com/office/powerpoint/2010/main" val="1886384564"/>
       </p:ext>
     </p:extLst>
   </p:cSld>
@@ -4442,7 +4340,63 @@
           <a:p>
             <a:r>
               <a:rPr lang="en-US" dirty="0" smtClean="0"/>
-              <a:t>jQuery Promises</a:t>
+              <a:t>Web Sockets</a:t>
+            </a:r>
+            <a:endParaRPr lang="en-US" dirty="0"/>
+          </a:p>
+        </p:txBody>
+      </p:sp>
+      <p:sp>
+        <p:nvSpPr>
+          <p:cNvPr id="3" name="Content Placeholder 2"/>
+          <p:cNvSpPr>
+            <a:spLocks noGrp="1"/>
+          </p:cNvSpPr>
+          <p:nvPr>
+            <p:ph sz="quarter" idx="10"/>
+          </p:nvPr>
+        </p:nvSpPr>
+        <p:spPr/>
+        <p:txBody>
+          <a:bodyPr/>
+          <a:lstStyle/>
+          <a:p>
+            <a:r>
+              <a:rPr lang="en-US" dirty="0" smtClean="0"/>
+              <a:t>Similar to normal socket development</a:t>
+            </a:r>
+          </a:p>
+          <a:p>
+            <a:pPr lvl="1"/>
+            <a:r>
+              <a:rPr lang="en-US" dirty="0" smtClean="0"/>
+              <a:t>Client can call server</a:t>
+            </a:r>
+          </a:p>
+          <a:p>
+            <a:pPr lvl="1"/>
+            <a:r>
+              <a:rPr lang="en-US" dirty="0" smtClean="0"/>
+              <a:t>Server can call client</a:t>
+            </a:r>
+          </a:p>
+          <a:p>
+            <a:r>
+              <a:rPr lang="en-US" dirty="0" smtClean="0"/>
+              <a:t>Uses messaging system</a:t>
+            </a:r>
+          </a:p>
+          <a:p>
+            <a:pPr lvl="1"/>
+            <a:r>
+              <a:rPr lang="en-US" dirty="0" smtClean="0"/>
+              <a:t>Similar to web workers</a:t>
+            </a:r>
+          </a:p>
+          <a:p>
+            <a:r>
+              <a:rPr lang="en-US" dirty="0" smtClean="0"/>
+              <a:t>Supported by most modern browsers</a:t>
             </a:r>
             <a:endParaRPr lang="en-US" dirty="0"/>
           </a:p>
@@ -4451,20 +4405,13 @@
     </p:spTree>
     <p:extLst>
       <p:ext uri="{BB962C8B-B14F-4D97-AF65-F5344CB8AC3E}">
-        <p14:creationId xmlns:p14="http://schemas.microsoft.com/office/powerpoint/2010/main" val="3011397667"/>
+        <p14:creationId xmlns:p14="http://schemas.microsoft.com/office/powerpoint/2010/main" val="1827331152"/>
       </p:ext>
     </p:extLst>
   </p:cSld>
   <p:clrMapOvr>
     <a:masterClrMapping/>
   </p:clrMapOvr>
-  <p:timing>
-    <p:tnLst>
-      <p:par>
-        <p:cTn id="1" dur="indefinite" restart="never" nodeType="tmRoot"/>
-      </p:par>
-    </p:tnLst>
-  </p:timing>
 </p:sld>
 </file>
 
@@ -4487,12 +4434,12 @@
       </p:grpSpPr>
       <p:sp>
         <p:nvSpPr>
-          <p:cNvPr id="4" name="Text Placeholder 3"/>
-          <p:cNvSpPr>
-            <a:spLocks noGrp="1"/>
-          </p:cNvSpPr>
-          <p:nvPr>
-            <p:ph type="body" sz="quarter" idx="10"/>
+          <p:cNvPr id="2" name="Title 1"/>
+          <p:cNvSpPr>
+            <a:spLocks noGrp="1"/>
+          </p:cNvSpPr>
+          <p:nvPr>
+            <p:ph type="title"/>
           </p:nvPr>
         </p:nvSpPr>
         <p:spPr/>
@@ -4502,35 +4449,70 @@
           <a:p>
             <a:r>
               <a:rPr lang="en-US" dirty="0" smtClean="0"/>
-              <a:t>jQuery Deferred</a:t>
+              <a:t>Client web sockets</a:t>
             </a:r>
             <a:endParaRPr lang="en-US" dirty="0"/>
           </a:p>
         </p:txBody>
       </p:sp>
-      <p:sp>
-        <p:nvSpPr>
-          <p:cNvPr id="3" name="Subtitle 2"/>
-          <p:cNvSpPr>
-            <a:spLocks noGrp="1"/>
-          </p:cNvSpPr>
-          <p:nvPr>
-            <p:ph type="subTitle" idx="1"/>
-          </p:nvPr>
-        </p:nvSpPr>
-        <p:spPr/>
-        <p:txBody>
-          <a:bodyPr/>
-          <a:lstStyle/>
-          <a:p>
-            <a:endParaRPr lang="en-US"/>
-          </a:p>
-        </p:txBody>
-      </p:sp>
+      <mc:AlternateContent xmlns:mc="http://schemas.openxmlformats.org/markup-compatibility/2006">
+        <mc:Choice xmlns:we="http://schemas.microsoft.com/office/webextensions/webextension/2010/11" xmlns:pca="http://schemas.microsoft.com/office/powerpoint/2013/contentapp" Requires="we pca">
+          <p:graphicFrame>
+            <p:nvGraphicFramePr>
+              <p:cNvPr id="4" name="Add-in 3" title="Code Presenter Pro"/>
+              <p:cNvGraphicFramePr>
+                <a:graphicFrameLocks noGrp="1"/>
+              </p:cNvGraphicFramePr>
+              <p:nvPr>
+                <p:extLst>
+                  <p:ext uri="{D42A27DB-BD31-4B8C-83A1-F6EECF244321}">
+                    <p14:modId xmlns:p14="http://schemas.microsoft.com/office/powerpoint/2010/main" val="1702126213"/>
+                  </p:ext>
+                </p:extLst>
+              </p:nvPr>
+            </p:nvGraphicFramePr>
+            <p:xfrm>
+              <a:off x="379514" y="876299"/>
+              <a:ext cx="11524432" cy="5981701"/>
+            </p:xfrm>
+            <a:graphic>
+              <a:graphicData uri="http://schemas.microsoft.com/office/webextensions/webextension/2010/11">
+                <we:webextensionref xmlns:we="http://schemas.microsoft.com/office/webextensions/webextension/2010/11" xmlns:r="http://schemas.openxmlformats.org/officeDocument/2006/relationships" r:id="rId2"/>
+              </a:graphicData>
+            </a:graphic>
+          </p:graphicFrame>
+        </mc:Choice>
+        <mc:Fallback>
+          <p:pic>
+            <p:nvPicPr>
+              <p:cNvPr id="4" name="Add-in 3" title="Code Presenter Pro"/>
+              <p:cNvPicPr>
+                <a:picLocks noGrp="1" noRot="1" noChangeAspect="1" noMove="1" noResize="1" noEditPoints="1" noAdjustHandles="1" noChangeArrowheads="1" noChangeShapeType="1"/>
+              </p:cNvPicPr>
+              <p:nvPr/>
+            </p:nvPicPr>
+            <p:blipFill>
+              <a:blip r:embed="rId3"/>
+              <a:stretch>
+                <a:fillRect/>
+              </a:stretch>
+            </p:blipFill>
+            <p:spPr>
+              <a:xfrm>
+                <a:off x="379514" y="876299"/>
+                <a:ext cx="11524432" cy="5981701"/>
+              </a:xfrm>
+              <a:prstGeom prst="rect">
+                <a:avLst/>
+              </a:prstGeom>
+            </p:spPr>
+          </p:pic>
+        </mc:Fallback>
+      </mc:AlternateContent>
     </p:spTree>
     <p:extLst>
       <p:ext uri="{BB962C8B-B14F-4D97-AF65-F5344CB8AC3E}">
-        <p14:creationId xmlns:p14="http://schemas.microsoft.com/office/powerpoint/2010/main" val="3017243009"/>
+        <p14:creationId xmlns:p14="http://schemas.microsoft.com/office/powerpoint/2010/main" val="1070947189"/>
       </p:ext>
     </p:extLst>
   </p:cSld>
@@ -4559,7 +4541,7 @@
       </p:grpSpPr>
       <p:sp>
         <p:nvSpPr>
-          <p:cNvPr id="3" name="Title 2"/>
+          <p:cNvPr id="2" name="Title 1"/>
           <p:cNvSpPr>
             <a:spLocks noGrp="1"/>
           </p:cNvSpPr>
@@ -4574,57 +4556,7 @@
           <a:p>
             <a:r>
               <a:rPr lang="en-US" dirty="0" smtClean="0"/>
-              <a:t>Long running operations</a:t>
-            </a:r>
-            <a:endParaRPr lang="en-US" dirty="0"/>
-          </a:p>
-        </p:txBody>
-      </p:sp>
-      <p:sp>
-        <p:nvSpPr>
-          <p:cNvPr id="4" name="Content Placeholder 3"/>
-          <p:cNvSpPr>
-            <a:spLocks noGrp="1"/>
-          </p:cNvSpPr>
-          <p:nvPr>
-            <p:ph sz="quarter" idx="10"/>
-          </p:nvPr>
-        </p:nvSpPr>
-        <p:spPr>
-          <a:prstGeom prst="rect">
-            <a:avLst/>
-          </a:prstGeom>
-        </p:spPr>
-        <p:txBody>
-          <a:bodyPr/>
-          <a:lstStyle/>
-          <a:p>
-            <a:r>
-              <a:rPr lang="en-US" dirty="0" smtClean="0"/>
-              <a:t>You can create your own long running operations and allow other developers to register event handlers</a:t>
-            </a:r>
-          </a:p>
-          <a:p>
-            <a:endParaRPr lang="en-US" dirty="0"/>
-          </a:p>
-          <a:p>
-            <a:r>
-              <a:rPr lang="en-US" b="1" dirty="0">
-                <a:solidFill>
-                  <a:schemeClr val="tx1"/>
-                </a:solidFill>
-                <a:latin typeface="Consolas" panose="020B0609020204030204" pitchFamily="49" charset="0"/>
-                <a:cs typeface="Consolas" panose="020B0609020204030204" pitchFamily="49" charset="0"/>
-              </a:rPr>
-              <a:t>Deferred</a:t>
-            </a:r>
-            <a:r>
-              <a:rPr lang="en-US" dirty="0"/>
-              <a:t> object is used to manage long running operations and raise events on completion, failure, etc</a:t>
-            </a:r>
-            <a:r>
-              <a:rPr lang="en-US" dirty="0" smtClean="0"/>
-              <a:t>.</a:t>
+              <a:t>Web sockets</a:t>
             </a:r>
             <a:endParaRPr lang="en-US" dirty="0"/>
           </a:p>
@@ -4633,7 +4565,7 @@
     </p:spTree>
     <p:extLst>
       <p:ext uri="{BB962C8B-B14F-4D97-AF65-F5344CB8AC3E}">
-        <p14:creationId xmlns:p14="http://schemas.microsoft.com/office/powerpoint/2010/main" val="1886384564"/>
+        <p14:creationId xmlns:p14="http://schemas.microsoft.com/office/powerpoint/2010/main" val="606120277"/>
       </p:ext>
     </p:extLst>
   </p:cSld>
@@ -4669,12 +4601,12 @@
       </p:grpSpPr>
       <p:sp>
         <p:nvSpPr>
-          <p:cNvPr id="2" name="Title 1"/>
-          <p:cNvSpPr>
-            <a:spLocks noGrp="1"/>
-          </p:cNvSpPr>
-          <p:nvPr>
-            <p:ph type="title"/>
+          <p:cNvPr id="4" name="Text Placeholder 3"/>
+          <p:cNvSpPr>
+            <a:spLocks noGrp="1"/>
+          </p:cNvSpPr>
+          <p:nvPr>
+            <p:ph type="body" sz="quarter" idx="10"/>
           </p:nvPr>
         </p:nvSpPr>
         <p:spPr/>
@@ -4684,7 +4616,7 @@
           <a:p>
             <a:r>
               <a:rPr lang="en-US" dirty="0" smtClean="0"/>
-              <a:t>Long running operation pattern</a:t>
+              <a:t>SignalR</a:t>
             </a:r>
             <a:endParaRPr lang="en-US" dirty="0"/>
           </a:p>
@@ -4692,649 +4624,33 @@
       </p:sp>
       <p:sp>
         <p:nvSpPr>
-          <p:cNvPr id="5" name="Rounded Rectangle 4"/>
-          <p:cNvSpPr/>
-          <p:nvPr/>
-        </p:nvSpPr>
-        <p:spPr>
-          <a:xfrm>
-            <a:off x="531246" y="1245702"/>
-            <a:ext cx="4209536" cy="1021492"/>
-          </a:xfrm>
-          <a:prstGeom prst="roundRect">
-            <a:avLst/>
-          </a:prstGeom>
-        </p:spPr>
-        <p:style>
-          <a:lnRef idx="2">
-            <a:schemeClr val="accent5"/>
-          </a:lnRef>
-          <a:fillRef idx="1">
-            <a:schemeClr val="lt1"/>
-          </a:fillRef>
-          <a:effectRef idx="0">
-            <a:schemeClr val="accent5"/>
-          </a:effectRef>
-          <a:fontRef idx="minor">
-            <a:schemeClr val="dk1"/>
-          </a:fontRef>
-        </p:style>
-        <p:txBody>
-          <a:bodyPr rtlCol="0" anchor="ctr"/>
+          <p:cNvPr id="3" name="Subtitle 2"/>
+          <p:cNvSpPr>
+            <a:spLocks noGrp="1"/>
+          </p:cNvSpPr>
+          <p:nvPr>
+            <p:ph type="subTitle" idx="1"/>
+          </p:nvPr>
+        </p:nvSpPr>
+        <p:spPr/>
+        <p:txBody>
+          <a:bodyPr/>
           <a:lstStyle/>
           <a:p>
-            <a:pPr algn="ctr"/>
-            <a:r>
-              <a:rPr lang="en-US" dirty="0" smtClean="0"/>
-              <a:t>Create a deferred object</a:t>
-            </a:r>
-          </a:p>
-          <a:p>
-            <a:pPr algn="ctr"/>
-            <a:endParaRPr lang="en-US" dirty="0" smtClean="0"/>
-          </a:p>
-          <a:p>
-            <a:pPr algn="ctr"/>
-            <a:r>
-              <a:rPr lang="en-US" dirty="0" err="1" smtClean="0">
-                <a:latin typeface="Consolas" panose="020B0609020204030204" pitchFamily="49" charset="0"/>
-                <a:cs typeface="Consolas" panose="020B0609020204030204" pitchFamily="49" charset="0"/>
-              </a:rPr>
-              <a:t>var</a:t>
-            </a:r>
-            <a:r>
-              <a:rPr lang="en-US" dirty="0" smtClean="0">
-                <a:latin typeface="Consolas" panose="020B0609020204030204" pitchFamily="49" charset="0"/>
-                <a:cs typeface="Consolas" panose="020B0609020204030204" pitchFamily="49" charset="0"/>
-              </a:rPr>
-              <a:t> deferred = $.Deferred();</a:t>
-            </a:r>
-            <a:endParaRPr lang="en-US" dirty="0">
-              <a:latin typeface="Consolas" panose="020B0609020204030204" pitchFamily="49" charset="0"/>
-              <a:cs typeface="Consolas" panose="020B0609020204030204" pitchFamily="49" charset="0"/>
-            </a:endParaRPr>
-          </a:p>
-        </p:txBody>
-      </p:sp>
-      <p:sp>
-        <p:nvSpPr>
-          <p:cNvPr id="8" name="Rounded Rectangle 7"/>
-          <p:cNvSpPr/>
-          <p:nvPr/>
-        </p:nvSpPr>
-        <p:spPr>
-          <a:xfrm>
-            <a:off x="2226392" y="2492069"/>
-            <a:ext cx="4209536" cy="1021492"/>
-          </a:xfrm>
-          <a:prstGeom prst="roundRect">
-            <a:avLst/>
-          </a:prstGeom>
-        </p:spPr>
-        <p:style>
-          <a:lnRef idx="2">
-            <a:schemeClr val="accent5"/>
-          </a:lnRef>
-          <a:fillRef idx="1">
-            <a:schemeClr val="lt1"/>
-          </a:fillRef>
-          <a:effectRef idx="0">
-            <a:schemeClr val="accent5"/>
-          </a:effectRef>
-          <a:fontRef idx="minor">
-            <a:schemeClr val="dk1"/>
-          </a:fontRef>
-        </p:style>
-        <p:txBody>
-          <a:bodyPr rtlCol="0" anchor="ctr"/>
-          <a:lstStyle/>
-          <a:p>
-            <a:pPr algn="ctr"/>
-            <a:r>
-              <a:rPr lang="en-US" dirty="0" smtClean="0"/>
-              <a:t>Start your </a:t>
-            </a:r>
-            <a:r>
-              <a:rPr lang="en-US" dirty="0" err="1" smtClean="0"/>
-              <a:t>async</a:t>
-            </a:r>
-            <a:r>
-              <a:rPr lang="en-US" dirty="0" smtClean="0"/>
-              <a:t> operation</a:t>
-            </a:r>
-            <a:endParaRPr lang="en-US" dirty="0">
-              <a:latin typeface="Consolas" panose="020B0609020204030204" pitchFamily="49" charset="0"/>
-              <a:cs typeface="Consolas" panose="020B0609020204030204" pitchFamily="49" charset="0"/>
-            </a:endParaRPr>
-          </a:p>
-        </p:txBody>
-      </p:sp>
-      <p:sp>
-        <p:nvSpPr>
-          <p:cNvPr id="9" name="Rounded Rectangle 8"/>
-          <p:cNvSpPr/>
-          <p:nvPr/>
-        </p:nvSpPr>
-        <p:spPr>
-          <a:xfrm>
-            <a:off x="6213829" y="5006928"/>
-            <a:ext cx="4209536" cy="1021492"/>
-          </a:xfrm>
-          <a:prstGeom prst="roundRect">
-            <a:avLst/>
-          </a:prstGeom>
-        </p:spPr>
-        <p:style>
-          <a:lnRef idx="2">
-            <a:schemeClr val="accent5"/>
-          </a:lnRef>
-          <a:fillRef idx="1">
-            <a:schemeClr val="lt1"/>
-          </a:fillRef>
-          <a:effectRef idx="0">
-            <a:schemeClr val="accent5"/>
-          </a:effectRef>
-          <a:fontRef idx="minor">
-            <a:schemeClr val="dk1"/>
-          </a:fontRef>
-        </p:style>
-        <p:txBody>
-          <a:bodyPr rtlCol="0" anchor="ctr"/>
-          <a:lstStyle/>
-          <a:p>
-            <a:pPr algn="ctr"/>
-            <a:r>
-              <a:rPr lang="en-US" dirty="0" smtClean="0"/>
-              <a:t>Call resolve for success</a:t>
-            </a:r>
-          </a:p>
-          <a:p>
-            <a:pPr algn="ctr"/>
-            <a:endParaRPr lang="en-US" dirty="0">
-              <a:latin typeface="Consolas" panose="020B0609020204030204" pitchFamily="49" charset="0"/>
-              <a:cs typeface="Consolas" panose="020B0609020204030204" pitchFamily="49" charset="0"/>
-            </a:endParaRPr>
-          </a:p>
-          <a:p>
-            <a:pPr algn="ctr"/>
-            <a:r>
-              <a:rPr lang="en-US" dirty="0" err="1" smtClean="0">
-                <a:latin typeface="Consolas" panose="020B0609020204030204" pitchFamily="49" charset="0"/>
-                <a:cs typeface="Consolas" panose="020B0609020204030204" pitchFamily="49" charset="0"/>
-              </a:rPr>
-              <a:t>deferred.resolve</a:t>
-            </a:r>
-            <a:r>
-              <a:rPr lang="en-US" dirty="0" smtClean="0">
-                <a:latin typeface="Consolas" panose="020B0609020204030204" pitchFamily="49" charset="0"/>
-                <a:cs typeface="Consolas" panose="020B0609020204030204" pitchFamily="49" charset="0"/>
-              </a:rPr>
-              <a:t>();</a:t>
-            </a:r>
-            <a:endParaRPr lang="en-US" dirty="0">
-              <a:latin typeface="Consolas" panose="020B0609020204030204" pitchFamily="49" charset="0"/>
-              <a:cs typeface="Consolas" panose="020B0609020204030204" pitchFamily="49" charset="0"/>
-            </a:endParaRPr>
-          </a:p>
-        </p:txBody>
-      </p:sp>
-      <p:sp>
-        <p:nvSpPr>
-          <p:cNvPr id="11" name="Rounded Rectangle 10"/>
-          <p:cNvSpPr/>
-          <p:nvPr/>
-        </p:nvSpPr>
-        <p:spPr>
-          <a:xfrm>
-            <a:off x="6213829" y="5006928"/>
-            <a:ext cx="4209536" cy="1021492"/>
-          </a:xfrm>
-          <a:prstGeom prst="roundRect">
-            <a:avLst/>
-          </a:prstGeom>
-        </p:spPr>
-        <p:style>
-          <a:lnRef idx="2">
-            <a:schemeClr val="accent5"/>
-          </a:lnRef>
-          <a:fillRef idx="1">
-            <a:schemeClr val="lt1"/>
-          </a:fillRef>
-          <a:effectRef idx="0">
-            <a:schemeClr val="accent5"/>
-          </a:effectRef>
-          <a:fontRef idx="minor">
-            <a:schemeClr val="dk1"/>
-          </a:fontRef>
-        </p:style>
-        <p:txBody>
-          <a:bodyPr rtlCol="0" anchor="ctr"/>
-          <a:lstStyle/>
-          <a:p>
-            <a:pPr algn="ctr"/>
-            <a:r>
-              <a:rPr lang="en-US" dirty="0" smtClean="0"/>
-              <a:t>Call reject for failure</a:t>
-            </a:r>
-          </a:p>
-          <a:p>
-            <a:pPr algn="ctr"/>
-            <a:endParaRPr lang="en-US" dirty="0">
-              <a:latin typeface="Consolas" panose="020B0609020204030204" pitchFamily="49" charset="0"/>
-              <a:cs typeface="Consolas" panose="020B0609020204030204" pitchFamily="49" charset="0"/>
-            </a:endParaRPr>
-          </a:p>
-          <a:p>
-            <a:pPr algn="ctr"/>
-            <a:r>
-              <a:rPr lang="en-US" dirty="0" err="1" smtClean="0">
-                <a:latin typeface="Consolas" panose="020B0609020204030204" pitchFamily="49" charset="0"/>
-                <a:cs typeface="Consolas" panose="020B0609020204030204" pitchFamily="49" charset="0"/>
-              </a:rPr>
-              <a:t>deferred.reject</a:t>
-            </a:r>
-            <a:r>
-              <a:rPr lang="en-US" dirty="0" smtClean="0">
-                <a:latin typeface="Consolas" panose="020B0609020204030204" pitchFamily="49" charset="0"/>
-                <a:cs typeface="Consolas" panose="020B0609020204030204" pitchFamily="49" charset="0"/>
-              </a:rPr>
-              <a:t>();</a:t>
-            </a:r>
-            <a:endParaRPr lang="en-US" dirty="0">
-              <a:latin typeface="Consolas" panose="020B0609020204030204" pitchFamily="49" charset="0"/>
-              <a:cs typeface="Consolas" panose="020B0609020204030204" pitchFamily="49" charset="0"/>
-            </a:endParaRPr>
-          </a:p>
-        </p:txBody>
-      </p:sp>
-      <p:sp>
-        <p:nvSpPr>
-          <p:cNvPr id="10" name="Rounded Rectangle 9"/>
-          <p:cNvSpPr/>
-          <p:nvPr/>
-        </p:nvSpPr>
-        <p:spPr>
-          <a:xfrm>
-            <a:off x="4547166" y="3749498"/>
-            <a:ext cx="4209536" cy="1021492"/>
-          </a:xfrm>
-          <a:prstGeom prst="roundRect">
-            <a:avLst/>
-          </a:prstGeom>
-        </p:spPr>
-        <p:style>
-          <a:lnRef idx="2">
-            <a:schemeClr val="accent5"/>
-          </a:lnRef>
-          <a:fillRef idx="1">
-            <a:schemeClr val="lt1"/>
-          </a:fillRef>
-          <a:effectRef idx="0">
-            <a:schemeClr val="accent5"/>
-          </a:effectRef>
-          <a:fontRef idx="minor">
-            <a:schemeClr val="dk1"/>
-          </a:fontRef>
-        </p:style>
-        <p:txBody>
-          <a:bodyPr rtlCol="0" anchor="ctr"/>
-          <a:lstStyle/>
-          <a:p>
-            <a:pPr algn="ctr"/>
-            <a:r>
-              <a:rPr lang="en-US" dirty="0" smtClean="0"/>
-              <a:t>Return a promise</a:t>
-            </a:r>
-          </a:p>
-          <a:p>
-            <a:pPr algn="ctr"/>
-            <a:endParaRPr lang="en-US" dirty="0">
-              <a:latin typeface="Consolas" panose="020B0609020204030204" pitchFamily="49" charset="0"/>
-              <a:cs typeface="Consolas" panose="020B0609020204030204" pitchFamily="49" charset="0"/>
-            </a:endParaRPr>
-          </a:p>
-          <a:p>
-            <a:pPr algn="ctr"/>
-            <a:r>
-              <a:rPr lang="en-US" dirty="0" smtClean="0">
-                <a:latin typeface="Consolas" panose="020B0609020204030204" pitchFamily="49" charset="0"/>
-                <a:cs typeface="Consolas" panose="020B0609020204030204" pitchFamily="49" charset="0"/>
-              </a:rPr>
-              <a:t>return </a:t>
-            </a:r>
-            <a:r>
-              <a:rPr lang="en-US" dirty="0" err="1" smtClean="0">
-                <a:latin typeface="Consolas" panose="020B0609020204030204" pitchFamily="49" charset="0"/>
-                <a:cs typeface="Consolas" panose="020B0609020204030204" pitchFamily="49" charset="0"/>
-              </a:rPr>
-              <a:t>deferred.promise</a:t>
-            </a:r>
-            <a:r>
-              <a:rPr lang="en-US" dirty="0" smtClean="0">
-                <a:latin typeface="Consolas" panose="020B0609020204030204" pitchFamily="49" charset="0"/>
-                <a:cs typeface="Consolas" panose="020B0609020204030204" pitchFamily="49" charset="0"/>
-              </a:rPr>
-              <a:t>();</a:t>
-            </a:r>
-            <a:endParaRPr lang="en-US" dirty="0">
-              <a:latin typeface="Consolas" panose="020B0609020204030204" pitchFamily="49" charset="0"/>
-              <a:cs typeface="Consolas" panose="020B0609020204030204" pitchFamily="49" charset="0"/>
-            </a:endParaRPr>
+            <a:endParaRPr lang="en-US" dirty="0"/>
           </a:p>
         </p:txBody>
       </p:sp>
     </p:spTree>
     <p:extLst>
       <p:ext uri="{BB962C8B-B14F-4D97-AF65-F5344CB8AC3E}">
-        <p14:creationId xmlns:p14="http://schemas.microsoft.com/office/powerpoint/2010/main" val="485312301"/>
+        <p14:creationId xmlns:p14="http://schemas.microsoft.com/office/powerpoint/2010/main" val="302690393"/>
       </p:ext>
     </p:extLst>
   </p:cSld>
   <p:clrMapOvr>
     <a:masterClrMapping/>
   </p:clrMapOvr>
-  <p:timing>
-    <p:tnLst>
-      <p:par>
-        <p:cTn id="1" dur="indefinite" restart="never" nodeType="tmRoot">
-          <p:childTnLst>
-            <p:seq concurrent="1" nextAc="seek">
-              <p:cTn id="2" dur="indefinite" nodeType="mainSeq">
-                <p:childTnLst>
-                  <p:par>
-                    <p:cTn id="3" fill="hold">
-                      <p:stCondLst>
-                        <p:cond delay="indefinite"/>
-                      </p:stCondLst>
-                      <p:childTnLst>
-                        <p:par>
-                          <p:cTn id="4" fill="hold">
-                            <p:stCondLst>
-                              <p:cond delay="0"/>
-                            </p:stCondLst>
-                            <p:childTnLst>
-                              <p:par>
-                                <p:cTn id="5" presetID="10" presetClass="entr" presetSubtype="0" fill="hold" grpId="0" nodeType="clickEffect">
-                                  <p:stCondLst>
-                                    <p:cond delay="0"/>
-                                  </p:stCondLst>
-                                  <p:childTnLst>
-                                    <p:set>
-                                      <p:cBhvr>
-                                        <p:cTn id="6" dur="1" fill="hold">
-                                          <p:stCondLst>
-                                            <p:cond delay="0"/>
-                                          </p:stCondLst>
-                                        </p:cTn>
-                                        <p:tgtEl>
-                                          <p:spTgt spid="5"/>
-                                        </p:tgtEl>
-                                        <p:attrNameLst>
-                                          <p:attrName>style.visibility</p:attrName>
-                                        </p:attrNameLst>
-                                      </p:cBhvr>
-                                      <p:to>
-                                        <p:strVal val="visible"/>
-                                      </p:to>
-                                    </p:set>
-                                    <p:animEffect transition="in" filter="fade">
-                                      <p:cBhvr>
-                                        <p:cTn id="7" dur="500"/>
-                                        <p:tgtEl>
-                                          <p:spTgt spid="5"/>
-                                        </p:tgtEl>
-                                      </p:cBhvr>
-                                    </p:animEffect>
-                                  </p:childTnLst>
-                                </p:cTn>
-                              </p:par>
-                            </p:childTnLst>
-                          </p:cTn>
-                        </p:par>
-                      </p:childTnLst>
-                    </p:cTn>
-                  </p:par>
-                  <p:par>
-                    <p:cTn id="8" fill="hold">
-                      <p:stCondLst>
-                        <p:cond delay="indefinite"/>
-                      </p:stCondLst>
-                      <p:childTnLst>
-                        <p:par>
-                          <p:cTn id="9" fill="hold">
-                            <p:stCondLst>
-                              <p:cond delay="0"/>
-                            </p:stCondLst>
-                            <p:childTnLst>
-                              <p:par>
-                                <p:cTn id="10" presetID="10" presetClass="entr" presetSubtype="0" fill="hold" grpId="0" nodeType="clickEffect">
-                                  <p:stCondLst>
-                                    <p:cond delay="0"/>
-                                  </p:stCondLst>
-                                  <p:childTnLst>
-                                    <p:set>
-                                      <p:cBhvr>
-                                        <p:cTn id="11" dur="1" fill="hold">
-                                          <p:stCondLst>
-                                            <p:cond delay="0"/>
-                                          </p:stCondLst>
-                                        </p:cTn>
-                                        <p:tgtEl>
-                                          <p:spTgt spid="8"/>
-                                        </p:tgtEl>
-                                        <p:attrNameLst>
-                                          <p:attrName>style.visibility</p:attrName>
-                                        </p:attrNameLst>
-                                      </p:cBhvr>
-                                      <p:to>
-                                        <p:strVal val="visible"/>
-                                      </p:to>
-                                    </p:set>
-                                    <p:animEffect transition="in" filter="fade">
-                                      <p:cBhvr>
-                                        <p:cTn id="12" dur="500"/>
-                                        <p:tgtEl>
-                                          <p:spTgt spid="8"/>
-                                        </p:tgtEl>
-                                      </p:cBhvr>
-                                    </p:animEffect>
-                                  </p:childTnLst>
-                                </p:cTn>
-                              </p:par>
-                            </p:childTnLst>
-                          </p:cTn>
-                        </p:par>
-                      </p:childTnLst>
-                    </p:cTn>
-                  </p:par>
-                  <p:par>
-                    <p:cTn id="13" fill="hold">
-                      <p:stCondLst>
-                        <p:cond delay="indefinite"/>
-                      </p:stCondLst>
-                      <p:childTnLst>
-                        <p:par>
-                          <p:cTn id="14" fill="hold">
-                            <p:stCondLst>
-                              <p:cond delay="0"/>
-                            </p:stCondLst>
-                            <p:childTnLst>
-                              <p:par>
-                                <p:cTn id="15" presetID="10" presetClass="entr" presetSubtype="0" fill="hold" grpId="0" nodeType="clickEffect">
-                                  <p:stCondLst>
-                                    <p:cond delay="0"/>
-                                  </p:stCondLst>
-                                  <p:childTnLst>
-                                    <p:set>
-                                      <p:cBhvr>
-                                        <p:cTn id="16" dur="1" fill="hold">
-                                          <p:stCondLst>
-                                            <p:cond delay="0"/>
-                                          </p:stCondLst>
-                                        </p:cTn>
-                                        <p:tgtEl>
-                                          <p:spTgt spid="10"/>
-                                        </p:tgtEl>
-                                        <p:attrNameLst>
-                                          <p:attrName>style.visibility</p:attrName>
-                                        </p:attrNameLst>
-                                      </p:cBhvr>
-                                      <p:to>
-                                        <p:strVal val="visible"/>
-                                      </p:to>
-                                    </p:set>
-                                    <p:animEffect transition="in" filter="fade">
-                                      <p:cBhvr>
-                                        <p:cTn id="17" dur="500"/>
-                                        <p:tgtEl>
-                                          <p:spTgt spid="10"/>
-                                        </p:tgtEl>
-                                      </p:cBhvr>
-                                    </p:animEffect>
-                                  </p:childTnLst>
-                                </p:cTn>
-                              </p:par>
-                            </p:childTnLst>
-                          </p:cTn>
-                        </p:par>
-                      </p:childTnLst>
-                    </p:cTn>
-                  </p:par>
-                  <p:par>
-                    <p:cTn id="18" fill="hold">
-                      <p:stCondLst>
-                        <p:cond delay="indefinite"/>
-                      </p:stCondLst>
-                      <p:childTnLst>
-                        <p:par>
-                          <p:cTn id="19" fill="hold">
-                            <p:stCondLst>
-                              <p:cond delay="0"/>
-                            </p:stCondLst>
-                            <p:childTnLst>
-                              <p:par>
-                                <p:cTn id="20" presetID="10" presetClass="entr" presetSubtype="0" fill="hold" grpId="0" nodeType="clickEffect">
-                                  <p:stCondLst>
-                                    <p:cond delay="0"/>
-                                  </p:stCondLst>
-                                  <p:childTnLst>
-                                    <p:set>
-                                      <p:cBhvr>
-                                        <p:cTn id="21" dur="1" fill="hold">
-                                          <p:stCondLst>
-                                            <p:cond delay="0"/>
-                                          </p:stCondLst>
-                                        </p:cTn>
-                                        <p:tgtEl>
-                                          <p:spTgt spid="9"/>
-                                        </p:tgtEl>
-                                        <p:attrNameLst>
-                                          <p:attrName>style.visibility</p:attrName>
-                                        </p:attrNameLst>
-                                      </p:cBhvr>
-                                      <p:to>
-                                        <p:strVal val="visible"/>
-                                      </p:to>
-                                    </p:set>
-                                    <p:animEffect transition="in" filter="fade">
-                                      <p:cBhvr>
-                                        <p:cTn id="22" dur="500"/>
-                                        <p:tgtEl>
-                                          <p:spTgt spid="9"/>
-                                        </p:tgtEl>
-                                      </p:cBhvr>
-                                    </p:animEffect>
-                                  </p:childTnLst>
-                                </p:cTn>
-                              </p:par>
-                            </p:childTnLst>
-                          </p:cTn>
-                        </p:par>
-                      </p:childTnLst>
-                    </p:cTn>
-                  </p:par>
-                  <p:par>
-                    <p:cTn id="23" fill="hold">
-                      <p:stCondLst>
-                        <p:cond delay="indefinite"/>
-                      </p:stCondLst>
-                      <p:childTnLst>
-                        <p:par>
-                          <p:cTn id="24" fill="hold">
-                            <p:stCondLst>
-                              <p:cond delay="0"/>
-                            </p:stCondLst>
-                            <p:childTnLst>
-                              <p:par>
-                                <p:cTn id="25" presetID="10" presetClass="entr" presetSubtype="0" fill="hold" grpId="0" nodeType="clickEffect">
-                                  <p:stCondLst>
-                                    <p:cond delay="0"/>
-                                  </p:stCondLst>
-                                  <p:childTnLst>
-                                    <p:set>
-                                      <p:cBhvr>
-                                        <p:cTn id="26" dur="1" fill="hold">
-                                          <p:stCondLst>
-                                            <p:cond delay="0"/>
-                                          </p:stCondLst>
-                                        </p:cTn>
-                                        <p:tgtEl>
-                                          <p:spTgt spid="11"/>
-                                        </p:tgtEl>
-                                        <p:attrNameLst>
-                                          <p:attrName>style.visibility</p:attrName>
-                                        </p:attrNameLst>
-                                      </p:cBhvr>
-                                      <p:to>
-                                        <p:strVal val="visible"/>
-                                      </p:to>
-                                    </p:set>
-                                    <p:animEffect transition="in" filter="fade">
-                                      <p:cBhvr>
-                                        <p:cTn id="27" dur="500"/>
-                                        <p:tgtEl>
-                                          <p:spTgt spid="11"/>
-                                        </p:tgtEl>
-                                      </p:cBhvr>
-                                    </p:animEffect>
-                                  </p:childTnLst>
-                                </p:cTn>
-                              </p:par>
-                            </p:childTnLst>
-                          </p:cTn>
-                        </p:par>
-                      </p:childTnLst>
-                    </p:cTn>
-                  </p:par>
-                </p:childTnLst>
-              </p:cTn>
-              <p:prevCondLst>
-                <p:cond evt="onPrev" delay="0">
-                  <p:tgtEl>
-                    <p:sldTgt/>
-                  </p:tgtEl>
-                </p:cond>
-              </p:prevCondLst>
-              <p:nextCondLst>
-                <p:cond evt="onNext" delay="0">
-                  <p:tgtEl>
-                    <p:sldTgt/>
-                  </p:tgtEl>
-                </p:cond>
-              </p:nextCondLst>
-            </p:seq>
-          </p:childTnLst>
-        </p:cTn>
-      </p:par>
-    </p:tnLst>
-    <p:bldLst>
-      <p:bldP spid="5" grpId="0" animBg="1"/>
-      <p:bldP spid="8" grpId="0" animBg="1"/>
-      <p:bldP spid="9" grpId="0" animBg="1"/>
-      <p:bldP spid="11" grpId="0" animBg="1"/>
-      <p:bldP spid="10" grpId="0" animBg="1"/>
-    </p:bldLst>
-  </p:timing>
 </p:sld>
 </file>
 
@@ -5357,7 +4673,7 @@
       </p:grpSpPr>
       <p:sp>
         <p:nvSpPr>
-          <p:cNvPr id="2" name="Title 1"/>
+          <p:cNvPr id="3" name="Title 2"/>
           <p:cNvSpPr>
             <a:spLocks noGrp="1"/>
           </p:cNvSpPr>
@@ -5371,12 +4687,73 @@
           <a:lstStyle/>
           <a:p>
             <a:r>
-              <a:rPr lang="en-US" dirty="0"/>
-              <a:t>Using the deferred </a:t>
-            </a:r>
-            <a:r>
-              <a:rPr lang="en-US" dirty="0" smtClean="0"/>
-              <a:t>object</a:t>
+              <a:rPr lang="en-US" dirty="0" smtClean="0"/>
+              <a:t>Web sockets are pretty rudimentary</a:t>
+            </a:r>
+            <a:endParaRPr lang="en-US" dirty="0"/>
+          </a:p>
+        </p:txBody>
+      </p:sp>
+      <p:sp>
+        <p:nvSpPr>
+          <p:cNvPr id="4" name="Content Placeholder 3"/>
+          <p:cNvSpPr>
+            <a:spLocks noGrp="1"/>
+          </p:cNvSpPr>
+          <p:nvPr>
+            <p:ph sz="quarter" idx="10"/>
+          </p:nvPr>
+        </p:nvSpPr>
+        <p:spPr>
+          <a:prstGeom prst="rect">
+            <a:avLst/>
+          </a:prstGeom>
+        </p:spPr>
+        <p:txBody>
+          <a:bodyPr/>
+          <a:lstStyle/>
+          <a:p>
+            <a:r>
+              <a:rPr lang="en-US" dirty="0" smtClean="0"/>
+              <a:t>One method (</a:t>
+            </a:r>
+            <a:r>
+              <a:rPr lang="en-US" dirty="0" smtClean="0">
+                <a:latin typeface="Consolas" panose="020B0609020204030204" pitchFamily="49" charset="0"/>
+              </a:rPr>
+              <a:t>send</a:t>
+            </a:r>
+            <a:r>
+              <a:rPr lang="en-US" dirty="0" smtClean="0"/>
+              <a:t>) to send messages</a:t>
+            </a:r>
+          </a:p>
+          <a:p>
+            <a:r>
+              <a:rPr lang="en-US" dirty="0" smtClean="0"/>
+              <a:t>One event (</a:t>
+            </a:r>
+            <a:r>
+              <a:rPr lang="en-US" dirty="0" err="1">
+                <a:latin typeface="Consolas" panose="020B0609020204030204" pitchFamily="49" charset="0"/>
+              </a:rPr>
+              <a:t>onmessage</a:t>
+            </a:r>
+            <a:r>
+              <a:rPr lang="en-US" dirty="0" smtClean="0"/>
+              <a:t>) to receive messages</a:t>
+            </a:r>
+          </a:p>
+          <a:p>
+            <a:r>
+              <a:rPr lang="en-US" dirty="0" smtClean="0"/>
+              <a:t>You're responsible for handling serialization if you're using objects</a:t>
+            </a:r>
+          </a:p>
+          <a:p>
+            <a:r>
+              <a:rPr lang="en-US" dirty="0" smtClean="0"/>
+              <a:t>No fallback if the browser doesn't support web sockets</a:t>
             </a:r>
             <a:endParaRPr lang="en-US" dirty="0"/>
           </a:p>
@@ -5385,7 +4762,7 @@
     </p:spTree>
     <p:extLst>
       <p:ext uri="{BB962C8B-B14F-4D97-AF65-F5344CB8AC3E}">
-        <p14:creationId xmlns:p14="http://schemas.microsoft.com/office/powerpoint/2010/main" val="606120277"/>
+        <p14:creationId xmlns:p14="http://schemas.microsoft.com/office/powerpoint/2010/main" val="149119515"/>
       </p:ext>
     </p:extLst>
   </p:cSld>
@@ -5419,10 +4796,80 @@
           <a:chExt cx="0" cy="0"/>
         </a:xfrm>
       </p:grpSpPr>
+      <p:sp>
+        <p:nvSpPr>
+          <p:cNvPr id="2" name="Title 1"/>
+          <p:cNvSpPr>
+            <a:spLocks noGrp="1"/>
+          </p:cNvSpPr>
+          <p:nvPr>
+            <p:ph type="title"/>
+          </p:nvPr>
+        </p:nvSpPr>
+        <p:spPr/>
+        <p:txBody>
+          <a:bodyPr/>
+          <a:lstStyle/>
+          <a:p>
+            <a:r>
+              <a:rPr lang="en-US" dirty="0" smtClean="0"/>
+              <a:t>Introducing SignalR</a:t>
+            </a:r>
+            <a:endParaRPr lang="en-US" dirty="0"/>
+          </a:p>
+        </p:txBody>
+      </p:sp>
+      <p:sp>
+        <p:nvSpPr>
+          <p:cNvPr id="3" name="Content Placeholder 2"/>
+          <p:cNvSpPr>
+            <a:spLocks noGrp="1"/>
+          </p:cNvSpPr>
+          <p:nvPr>
+            <p:ph sz="quarter" idx="10"/>
+          </p:nvPr>
+        </p:nvSpPr>
+        <p:spPr/>
+        <p:txBody>
+          <a:bodyPr/>
+          <a:lstStyle/>
+          <a:p>
+            <a:r>
+              <a:rPr lang="en-US" dirty="0" smtClean="0"/>
+              <a:t>ASP.NET technology</a:t>
+            </a:r>
+          </a:p>
+          <a:p>
+            <a:r>
+              <a:rPr lang="en-US" dirty="0" smtClean="0"/>
+              <a:t>Designed to abstract client/server interactions</a:t>
+            </a:r>
+          </a:p>
+          <a:p>
+            <a:r>
+              <a:rPr lang="en-US" dirty="0" smtClean="0"/>
+              <a:t>Built-in fallback mechanisms</a:t>
+            </a:r>
+          </a:p>
+          <a:p>
+            <a:r>
+              <a:rPr lang="en-US" dirty="0" smtClean="0"/>
+              <a:t>Built-in serialization</a:t>
+            </a:r>
+          </a:p>
+          <a:p>
+            <a:r>
+              <a:rPr lang="en-US" dirty="0" smtClean="0"/>
+              <a:t>Everything just looks like normal objects</a:t>
+            </a:r>
+            <a:endParaRPr lang="en-US" dirty="0"/>
+          </a:p>
+        </p:txBody>
+      </p:sp>
     </p:spTree>
     <p:extLst>
       <p:ext uri="{BB962C8B-B14F-4D97-AF65-F5344CB8AC3E}">
-        <p14:creationId xmlns:p14="http://schemas.microsoft.com/office/powerpoint/2010/main" val="898363405"/>
+        <p14:creationId xmlns:p14="http://schemas.microsoft.com/office/powerpoint/2010/main" val="3212765434"/>
       </p:ext>
     </p:extLst>
   </p:cSld>
@@ -5532,6 +4979,100 @@
       </p:par>
     </p:tnLst>
   </p:timing>
+</p:sld>
+</file>
+
+<file path=ppt/slides/slide20.xml><?xml version="1.0" encoding="utf-8"?>
+<p:sld xmlns:a="http://schemas.openxmlformats.org/drawingml/2006/main" xmlns:r="http://schemas.openxmlformats.org/officeDocument/2006/relationships" xmlns:p="http://schemas.openxmlformats.org/presentationml/2006/main">
+  <p:cSld>
+    <p:spTree>
+      <p:nvGrpSpPr>
+        <p:cNvPr id="1" name=""/>
+        <p:cNvGrpSpPr/>
+        <p:nvPr/>
+      </p:nvGrpSpPr>
+      <p:grpSpPr>
+        <a:xfrm>
+          <a:off x="0" y="0"/>
+          <a:ext cx="0" cy="0"/>
+          <a:chOff x="0" y="0"/>
+          <a:chExt cx="0" cy="0"/>
+        </a:xfrm>
+      </p:grpSpPr>
+      <p:sp>
+        <p:nvSpPr>
+          <p:cNvPr id="2" name="Title 1"/>
+          <p:cNvSpPr>
+            <a:spLocks noGrp="1"/>
+          </p:cNvSpPr>
+          <p:nvPr>
+            <p:ph type="title"/>
+          </p:nvPr>
+        </p:nvSpPr>
+        <p:spPr/>
+        <p:txBody>
+          <a:bodyPr/>
+          <a:lstStyle/>
+          <a:p>
+            <a:r>
+              <a:rPr lang="en-US" dirty="0" smtClean="0"/>
+              <a:t>Hello</a:t>
+            </a:r>
+            <a:r>
+              <a:rPr lang="en-US" smtClean="0"/>
+              <a:t>, SignalR!</a:t>
+            </a:r>
+            <a:endParaRPr lang="en-US" dirty="0"/>
+          </a:p>
+        </p:txBody>
+      </p:sp>
+    </p:spTree>
+    <p:extLst>
+      <p:ext uri="{BB962C8B-B14F-4D97-AF65-F5344CB8AC3E}">
+        <p14:creationId xmlns:p14="http://schemas.microsoft.com/office/powerpoint/2010/main" val="2163061478"/>
+      </p:ext>
+    </p:extLst>
+  </p:cSld>
+  <p:clrMapOvr>
+    <a:masterClrMapping/>
+  </p:clrMapOvr>
+  <p:timing>
+    <p:tnLst>
+      <p:par>
+        <p:cTn id="1" dur="indefinite" restart="never" nodeType="tmRoot"/>
+      </p:par>
+    </p:tnLst>
+  </p:timing>
+</p:sld>
+</file>
+
+<file path=ppt/slides/slide21.xml><?xml version="1.0" encoding="utf-8"?>
+<p:sld xmlns:a="http://schemas.openxmlformats.org/drawingml/2006/main" xmlns:r="http://schemas.openxmlformats.org/officeDocument/2006/relationships" xmlns:p="http://schemas.openxmlformats.org/presentationml/2006/main">
+  <p:cSld>
+    <p:spTree>
+      <p:nvGrpSpPr>
+        <p:cNvPr id="1" name=""/>
+        <p:cNvGrpSpPr/>
+        <p:nvPr/>
+      </p:nvGrpSpPr>
+      <p:grpSpPr>
+        <a:xfrm>
+          <a:off x="0" y="0"/>
+          <a:ext cx="0" cy="0"/>
+          <a:chOff x="0" y="0"/>
+          <a:chExt cx="0" cy="0"/>
+        </a:xfrm>
+      </p:grpSpPr>
+    </p:spTree>
+    <p:extLst>
+      <p:ext uri="{BB962C8B-B14F-4D97-AF65-F5344CB8AC3E}">
+        <p14:creationId xmlns:p14="http://schemas.microsoft.com/office/powerpoint/2010/main" val="898363405"/>
+      </p:ext>
+    </p:extLst>
+  </p:cSld>
+  <p:clrMapOvr>
+    <a:masterClrMapping/>
+  </p:clrMapOvr>
 </p:sld>
 </file>
 
@@ -5931,7 +5472,7 @@
           <a:p>
             <a:r>
               <a:rPr lang="en-US" dirty="0" smtClean="0"/>
-              <a:t>Web workers</a:t>
+              <a:t>XML HTTP Request</a:t>
             </a:r>
             <a:endParaRPr lang="en-US" dirty="0"/>
           </a:p>
@@ -5976,12 +5517,12 @@
       </p:grpSpPr>
       <p:sp>
         <p:nvSpPr>
-          <p:cNvPr id="2" name="Title 1"/>
-          <p:cNvSpPr>
-            <a:spLocks noGrp="1"/>
-          </p:cNvSpPr>
-          <p:nvPr>
-            <p:ph type="title"/>
+          <p:cNvPr id="4" name="Text Placeholder 3"/>
+          <p:cNvSpPr>
+            <a:spLocks noGrp="1"/>
+          </p:cNvSpPr>
+          <p:nvPr>
+            <p:ph type="body" sz="quarter" idx="10"/>
           </p:nvPr>
         </p:nvSpPr>
         <p:spPr/>
@@ -5991,7 +5532,7 @@
           <a:p>
             <a:r>
               <a:rPr lang="en-US" dirty="0" smtClean="0"/>
-              <a:t>Some notes and design thoughts</a:t>
+              <a:t>Ajax calls with jQuery</a:t>
             </a:r>
             <a:endParaRPr lang="en-US" dirty="0"/>
           </a:p>
@@ -5999,126 +5540,33 @@
       </p:sp>
       <p:sp>
         <p:nvSpPr>
-          <p:cNvPr id="3" name="Content Placeholder 2"/>
-          <p:cNvSpPr>
-            <a:spLocks noGrp="1"/>
-          </p:cNvSpPr>
-          <p:nvPr>
-            <p:ph sz="quarter" idx="10"/>
-          </p:nvPr>
-        </p:nvSpPr>
-        <p:spPr>
-          <a:prstGeom prst="rect">
-            <a:avLst/>
-          </a:prstGeom>
-        </p:spPr>
+          <p:cNvPr id="3" name="Subtitle 2"/>
+          <p:cNvSpPr>
+            <a:spLocks noGrp="1"/>
+          </p:cNvSpPr>
+          <p:nvPr>
+            <p:ph type="subTitle" idx="1"/>
+          </p:nvPr>
+        </p:nvSpPr>
+        <p:spPr/>
         <p:txBody>
           <a:bodyPr/>
           <a:lstStyle/>
           <a:p>
-            <a:r>
-              <a:rPr lang="en-US" dirty="0" smtClean="0"/>
-              <a:t>Web workers can pass any JSON object</a:t>
-            </a:r>
-          </a:p>
-          <a:p>
-            <a:r>
-              <a:rPr lang="en-US" dirty="0" smtClean="0"/>
-              <a:t>Workers don't have events for start or end</a:t>
-            </a:r>
-          </a:p>
-          <a:p>
-            <a:pPr lvl="1"/>
-            <a:r>
-              <a:rPr lang="en-US" dirty="0" smtClean="0"/>
-              <a:t>Can easily be implemented through basic messaging</a:t>
-            </a:r>
-          </a:p>
-          <a:p>
-            <a:r>
-              <a:rPr lang="en-US" dirty="0" smtClean="0"/>
-              <a:t>Stopping a web worker</a:t>
-            </a:r>
-          </a:p>
-          <a:p>
-            <a:pPr lvl="1"/>
-            <a:r>
-              <a:rPr lang="en-US" dirty="0" smtClean="0"/>
-              <a:t>From page</a:t>
-            </a:r>
-          </a:p>
-          <a:p>
-            <a:pPr lvl="2"/>
-            <a:r>
-              <a:rPr lang="en-US" dirty="0" err="1" smtClean="0">
-                <a:solidFill>
-                  <a:schemeClr val="tx1"/>
-                </a:solidFill>
-                <a:latin typeface="Consolas" panose="020B0609020204030204" pitchFamily="49" charset="0"/>
-                <a:cs typeface="Consolas" panose="020B0609020204030204" pitchFamily="49" charset="0"/>
-              </a:rPr>
-              <a:t>worker.terminate</a:t>
-            </a:r>
-            <a:r>
-              <a:rPr lang="en-US" dirty="0" smtClean="0">
-                <a:solidFill>
-                  <a:schemeClr val="tx1"/>
-                </a:solidFill>
-                <a:latin typeface="Consolas" panose="020B0609020204030204" pitchFamily="49" charset="0"/>
-                <a:cs typeface="Consolas" panose="020B0609020204030204" pitchFamily="49" charset="0"/>
-              </a:rPr>
-              <a:t>();</a:t>
-            </a:r>
-          </a:p>
-          <a:p>
-            <a:pPr lvl="1"/>
-            <a:r>
-              <a:rPr lang="en-US" dirty="0" smtClean="0"/>
-              <a:t>From worker</a:t>
-            </a:r>
-          </a:p>
-          <a:p>
-            <a:pPr lvl="2"/>
-            <a:r>
-              <a:rPr lang="en-US" dirty="0" err="1" smtClean="0">
-                <a:solidFill>
-                  <a:schemeClr val="tx1"/>
-                </a:solidFill>
-                <a:latin typeface="Consolas" panose="020B0609020204030204" pitchFamily="49" charset="0"/>
-                <a:cs typeface="Consolas" panose="020B0609020204030204" pitchFamily="49" charset="0"/>
-              </a:rPr>
-              <a:t>self.close</a:t>
-            </a:r>
-            <a:r>
-              <a:rPr lang="en-US" dirty="0" smtClean="0">
-                <a:solidFill>
-                  <a:schemeClr val="tx1"/>
-                </a:solidFill>
-                <a:latin typeface="Consolas" panose="020B0609020204030204" pitchFamily="49" charset="0"/>
-                <a:cs typeface="Consolas" panose="020B0609020204030204" pitchFamily="49" charset="0"/>
-              </a:rPr>
-              <a:t>();</a:t>
-            </a:r>
+            <a:endParaRPr lang="en-US" dirty="0"/>
           </a:p>
         </p:txBody>
       </p:sp>
     </p:spTree>
     <p:extLst>
       <p:ext uri="{BB962C8B-B14F-4D97-AF65-F5344CB8AC3E}">
-        <p14:creationId xmlns:p14="http://schemas.microsoft.com/office/powerpoint/2010/main" val="1214445239"/>
+        <p14:creationId xmlns:p14="http://schemas.microsoft.com/office/powerpoint/2010/main" val="1799002758"/>
       </p:ext>
     </p:extLst>
   </p:cSld>
   <p:clrMapOvr>
     <a:masterClrMapping/>
   </p:clrMapOvr>
-  <p:timing>
-    <p:tnLst>
-      <p:par>
-        <p:cTn id="1" dur="indefinite" restart="never" nodeType="tmRoot"/>
-      </p:par>
-    </p:tnLst>
-  </p:timing>
 </p:sld>
 </file>
 
@@ -6141,7 +5589,7 @@
       </p:grpSpPr>
       <p:sp>
         <p:nvSpPr>
-          <p:cNvPr id="2" name="Title 1"/>
+          <p:cNvPr id="4" name="Title 3"/>
           <p:cNvSpPr>
             <a:spLocks noGrp="1"/>
           </p:cNvSpPr>
@@ -6156,16 +5604,48 @@
           <a:p>
             <a:r>
               <a:rPr lang="en-US" dirty="0" smtClean="0"/>
-              <a:t>Web worker design</a:t>
+              <a:t>What is Ajax</a:t>
             </a:r>
             <a:endParaRPr lang="en-US" dirty="0"/>
+          </a:p>
+        </p:txBody>
+      </p:sp>
+      <p:sp>
+        <p:nvSpPr>
+          <p:cNvPr id="5" name="Content Placeholder 4"/>
+          <p:cNvSpPr>
+            <a:spLocks noGrp="1"/>
+          </p:cNvSpPr>
+          <p:nvPr>
+            <p:ph sz="quarter" idx="10"/>
+          </p:nvPr>
+        </p:nvSpPr>
+        <p:spPr>
+          <a:prstGeom prst="rect">
+            <a:avLst/>
+          </a:prstGeom>
+        </p:spPr>
+        <p:txBody>
+          <a:bodyPr/>
+          <a:lstStyle/>
+          <a:p>
+            <a:r>
+              <a:rPr lang="en-US" dirty="0" smtClean="0"/>
+              <a:t>"Asynchronous JavaScript and XML"</a:t>
+            </a:r>
+          </a:p>
+          <a:p>
+            <a:r>
+              <a:rPr lang="en-US" dirty="0" smtClean="0"/>
+              <a:t>Set of commonly used standards and technologies for making server calls</a:t>
+            </a:r>
           </a:p>
         </p:txBody>
       </p:sp>
     </p:spTree>
     <p:extLst>
       <p:ext uri="{BB962C8B-B14F-4D97-AF65-F5344CB8AC3E}">
-        <p14:creationId xmlns:p14="http://schemas.microsoft.com/office/powerpoint/2010/main" val="1824418163"/>
+        <p14:creationId xmlns:p14="http://schemas.microsoft.com/office/powerpoint/2010/main" val="1291475549"/>
       </p:ext>
     </p:extLst>
   </p:cSld>
@@ -6996,7 +6476,21 @@
     <we:reference id="WA104379263" version="1.0.0.0" store="WA104379263" storeType="OMEX"/>
   </we:alternateReferences>
   <we:properties>
-    <we:property name="config" value="{&quot;display_lang&quot;:&quot;en&quot;,&quot;display_font&quot;:&quot;Consolas&quot;,&quot;syntax_color&quot;:null,&quot;old_syntax_color&quot;:null,&quot;show_line_number&quot;:true,&quot;code_lang&quot;:&quot;detect_lang&quot;,&quot;code&quot;:&quot;&quot;,&quot;ctags&quot;:null}"/>
+    <we:property name="config" value="{&quot;display_lang&quot;:&quot;en&quot;,&quot;display_font&quot;:&quot;Consolas&quot;,&quot;syntax_color&quot;:{&quot;Reserved words&quot;:&quot;#0000ff&quot;,&quot;Built-in objects&quot;:&quot;#FF0000&quot;,&quot;Line comment&quot;:&quot;#008000&quot;,&quot;Block comment&quot;:&quot;#008000&quot;,&quot;Quotation&quot;:&quot;#FF00FF&quot;,&quot;Quotation 2&quot;:&quot;#FF00FF&quot;,&quot;Number&quot;:&quot;#800080&quot;},&quot;old_syntax_color&quot;:{&quot;Reserved words&quot;:&quot;#0000FF&quot;,&quot;Built-in objects&quot;:&quot;#FF0000&quot;,&quot;Line comment&quot;:&quot;#008000&quot;,&quot;Block comment&quot;:&quot;#008000&quot;,&quot;Quotation&quot;:&quot;#FF00FF&quot;,&quot;Quotation 2&quot;:&quot;#FF00FF&quot;,&quot;Number&quot;:&quot;#800080&quot;},&quot;show_line_number&quot;:true,&quot;code_lang&quot;:&quot;js&quot;,&quot;code&quot;:&quot;var result = null;\n\nvar xhr = new XMLHttpRequest();\n\nxhr.onreadystatechange = function() {\n    // see if the operation has completed and is successful\n    if(xhr.readyState == 4 &amp;&amp; xhr.status == 200) {\n        // retrieve result\n        result = xhr.resultText;\n    }\n}\n\n// Open the connection\nxhr.open(\&quot;GET\&quot;, \&quot;url\&quot;);\n\n// Send the request\nxhr.send();&quot;,&quot;ctags&quot;:{&quot;result&quot;:[{&quot;linenum&quot;:&quot;1&quot;,&quot;signature&quot;:&quot;var result = null;&quot;}],&quot;xhr.onreadystatechange&quot;:[{&quot;linenum&quot;:&quot;3&quot;,&quot;signature&quot;:&quot;var xhr = new XMLHttpRequest();&quot;}]}}"/>
+  </we:properties>
+  <we:bindings/>
+  <we:snapshot xmlns:r="http://schemas.openxmlformats.org/officeDocument/2006/relationships" r:embed="rId1"/>
+</we:webextension>
+</file>
+
+<file path=ppt/webextensions/webextension2.xml><?xml version="1.0" encoding="utf-8"?>
+<we:webextension xmlns:we="http://schemas.microsoft.com/office/webextensions/webextension/2010/11" id="{F7D979CC-045F-4538-8A85-F78909DA74CD}">
+  <we:reference id="wa104379263" version="1.0.0.0" store="en-US" storeType="OMEX"/>
+  <we:alternateReferences>
+    <we:reference id="wa104379263" version="1.0.0.0" store="wa104379263" storeType="OMEX"/>
+  </we:alternateReferences>
+  <we:properties>
+    <we:property name="config" value="{&quot;display_lang&quot;:&quot;en&quot;,&quot;display_font&quot;:&quot;Consolas&quot;,&quot;syntax_color&quot;:{&quot;Reserved words&quot;:&quot;#0000ff&quot;,&quot;Built-in objects&quot;:&quot;#FF0000&quot;,&quot;Line comment&quot;:&quot;#008000&quot;,&quot;Block comment&quot;:&quot;#008000&quot;,&quot;Quotation&quot;:&quot;#FF00FF&quot;,&quot;Quotation 2&quot;:&quot;#FF00FF&quot;,&quot;Number&quot;:&quot;#800080&quot;},&quot;old_syntax_color&quot;:{&quot;Reserved words&quot;:&quot;#0000FF&quot;,&quot;Built-in objects&quot;:&quot;#FF0000&quot;,&quot;Line comment&quot;:&quot;#008000&quot;,&quot;Block comment&quot;:&quot;#008000&quot;,&quot;Quotation&quot;:&quot;#FF00FF&quot;,&quot;Quotation 2&quot;:&quot;#FF00FF&quot;,&quot;Number&quot;:&quot;#800080&quot;},&quot;show_line_number&quot;:true,&quot;code_lang&quot;:&quot;js&quot;,&quot;code&quot;:&quot;// create the socket\nvar socket = new WebSocket('url');\n\n// receive message from server\nsocket.onmessage = function(e) {\n    $('#output').append('&lt;li&gt;' + e.data + '&lt;/li&gt;');\n}\n\n// send a message to the server\nsocket.send('hello, world!');&quot;,&quot;ctags&quot;:{&quot;socket.onmessage&quot;:[{&quot;linenum&quot;:&quot;2&quot;,&quot;signature&quot;:&quot;var socket = new WebSocket('url');&quot;}]}}"/>
   </we:properties>
   <we:bindings/>
   <we:snapshot xmlns:r="http://schemas.openxmlformats.org/officeDocument/2006/relationships" r:embed="rId1"/>
@@ -7004,21 +6498,6 @@
 </file>
 
 <file path=customXml/item1.xml><?xml version="1.0" encoding="utf-8"?>
-<?mso-contentType ?>
-<FormTemplates xmlns="http://schemas.microsoft.com/sharepoint/v3/contenttype/forms">
-  <Display>DocumentLibraryForm</Display>
-  <Edit>DocumentLibraryForm</Edit>
-  <New>DocumentLibraryForm</New>
-</FormTemplates>
-</file>
-
-<file path=customXml/item2.xml><?xml version="1.0" encoding="utf-8"?>
-<p:properties xmlns:p="http://schemas.microsoft.com/office/2006/metadata/properties" xmlns:xsi="http://www.w3.org/2001/XMLSchema-instance" xmlns:pc="http://schemas.microsoft.com/office/infopath/2007/PartnerControls">
-  <documentManagement/>
-</p:properties>
-</file>
-
-<file path=customXml/item3.xml><?xml version="1.0" encoding="utf-8"?>
 <ct:contentTypeSchema xmlns:ct="http://schemas.microsoft.com/office/2006/metadata/contentType" xmlns:ma="http://schemas.microsoft.com/office/2006/metadata/properties/metaAttributes" ct:_="" ma:_="" ma:contentTypeName="Document" ma:contentTypeID="0x010100BD9BF63586D9884E9335F37127EABBE8" ma:contentTypeVersion="1" ma:contentTypeDescription="Create a new document." ma:contentTypeScope="" ma:versionID="b9abee3a6b7d355b9c1a31dbb76ab4bc">
   <xsd:schema xmlns:xsd="http://www.w3.org/2001/XMLSchema" xmlns:xs="http://www.w3.org/2001/XMLSchema" xmlns:p="http://schemas.microsoft.com/office/2006/metadata/properties" xmlns:ns3="e5a13ba8-98e3-4f23-a221-7ac9824aa662" targetNamespace="http://schemas.microsoft.com/office/2006/metadata/properties" ma:root="true" ma:fieldsID="9d02d2e6bc0f5948a1713c06f6c13b3b" ns3:_="">
     <xsd:import namespace="e5a13ba8-98e3-4f23-a221-7ac9824aa662"/>
@@ -7158,10 +6637,35 @@
 </ct:contentTypeSchema>
 </file>
 
+<file path=customXml/item2.xml><?xml version="1.0" encoding="utf-8"?>
+<p:properties xmlns:p="http://schemas.microsoft.com/office/2006/metadata/properties" xmlns:xsi="http://www.w3.org/2001/XMLSchema-instance" xmlns:pc="http://schemas.microsoft.com/office/infopath/2007/PartnerControls">
+  <documentManagement/>
+</p:properties>
+</file>
+
+<file path=customXml/item3.xml><?xml version="1.0" encoding="utf-8"?>
+<?mso-contentType ?>
+<FormTemplates xmlns="http://schemas.microsoft.com/sharepoint/v3/contenttype/forms">
+  <Display>DocumentLibraryForm</Display>
+  <Edit>DocumentLibraryForm</Edit>
+  <New>DocumentLibraryForm</New>
+</FormTemplates>
+</file>
+
 <file path=customXml/itemProps1.xml><?xml version="1.0" encoding="utf-8"?>
-<ds:datastoreItem xmlns:ds="http://schemas.openxmlformats.org/officeDocument/2006/customXml" ds:itemID="{B0CA13EC-1D3C-4D6F-8D1C-E8A452CFC79A}">
+<ds:datastoreItem xmlns:ds="http://schemas.openxmlformats.org/officeDocument/2006/customXml" ds:itemID="{1E1E45CC-2FEE-40FA-AA55-B597D74C6344}">
   <ds:schemaRefs>
-    <ds:schemaRef ds:uri="http://schemas.microsoft.com/sharepoint/v3/contenttype/forms"/>
+    <ds:schemaRef ds:uri="http://schemas.microsoft.com/office/2006/metadata/contentType"/>
+    <ds:schemaRef ds:uri="http://schemas.microsoft.com/office/2006/metadata/properties/metaAttributes"/>
+    <ds:schemaRef ds:uri="http://www.w3.org/2001/XMLSchema"/>
+    <ds:schemaRef ds:uri="http://schemas.microsoft.com/office/2006/metadata/properties"/>
+    <ds:schemaRef ds:uri="e5a13ba8-98e3-4f23-a221-7ac9824aa662"/>
+    <ds:schemaRef ds:uri="http://schemas.microsoft.com/office/2006/documentManagement/types"/>
+    <ds:schemaRef ds:uri="http://schemas.microsoft.com/office/infopath/2007/PartnerControls"/>
+    <ds:schemaRef ds:uri="http://schemas.openxmlformats.org/package/2006/metadata/core-properties"/>
+    <ds:schemaRef ds:uri="http://purl.org/dc/elements/1.1/"/>
+    <ds:schemaRef ds:uri="http://purl.org/dc/terms/"/>
+    <ds:schemaRef ds:uri="http://schemas.microsoft.com/internal/obd"/>
   </ds:schemaRefs>
 </ds:datastoreItem>
 </file>
@@ -7183,19 +6687,9 @@
 </file>
 
 <file path=customXml/itemProps3.xml><?xml version="1.0" encoding="utf-8"?>
-<ds:datastoreItem xmlns:ds="http://schemas.openxmlformats.org/officeDocument/2006/customXml" ds:itemID="{1E1E45CC-2FEE-40FA-AA55-B597D74C6344}">
+<ds:datastoreItem xmlns:ds="http://schemas.openxmlformats.org/officeDocument/2006/customXml" ds:itemID="{B0CA13EC-1D3C-4D6F-8D1C-E8A452CFC79A}">
   <ds:schemaRefs>
-    <ds:schemaRef ds:uri="http://schemas.microsoft.com/office/2006/metadata/contentType"/>
-    <ds:schemaRef ds:uri="http://schemas.microsoft.com/office/2006/metadata/properties/metaAttributes"/>
-    <ds:schemaRef ds:uri="http://www.w3.org/2001/XMLSchema"/>
-    <ds:schemaRef ds:uri="http://schemas.microsoft.com/office/2006/metadata/properties"/>
-    <ds:schemaRef ds:uri="e5a13ba8-98e3-4f23-a221-7ac9824aa662"/>
-    <ds:schemaRef ds:uri="http://schemas.microsoft.com/office/2006/documentManagement/types"/>
-    <ds:schemaRef ds:uri="http://schemas.microsoft.com/office/infopath/2007/PartnerControls"/>
-    <ds:schemaRef ds:uri="http://schemas.openxmlformats.org/package/2006/metadata/core-properties"/>
-    <ds:schemaRef ds:uri="http://purl.org/dc/elements/1.1/"/>
-    <ds:schemaRef ds:uri="http://purl.org/dc/terms/"/>
-    <ds:schemaRef ds:uri="http://schemas.microsoft.com/internal/obd"/>
+    <ds:schemaRef ds:uri="http://schemas.microsoft.com/sharepoint/v3/contenttype/forms"/>
   </ds:schemaRefs>
 </ds:datastoreItem>
 </file>